--- a/Presentation.pptx
+++ b/Presentation.pptx
@@ -118,6 +118,11 @@
       </a:defRPr>
     </a:lvl9pPr>
   </p:defaultTextStyle>
+  <p:extLst>
+    <p:ext uri="{EFAFB233-063F-42B5-8137-9DF3F51BA10A}">
+      <p15:sldGuideLst xmlns:p15="http://schemas.microsoft.com/office/powerpoint/2012/main"/>
+    </p:ext>
+  </p:extLst>
 </p:presentation>
 </file>
 
@@ -3374,21 +3379,21 @@
         </p:nvSpPr>
         <p:spPr>
           <a:xfrm>
-            <a:off x="1630531" y="594803"/>
-            <a:ext cx="9144000" cy="1112991"/>
+            <a:off x="1136072" y="148696"/>
+            <a:ext cx="9919854" cy="2105891"/>
           </a:xfrm>
         </p:spPr>
         <p:txBody>
           <a:bodyPr>
-            <a:normAutofit/>
+            <a:noAutofit/>
           </a:bodyPr>
           <a:lstStyle/>
           <a:p>
             <a:r>
-              <a:rPr lang="en-US" sz="3600" dirty="0"/>
+              <a:rPr lang="en-US" sz="4800" dirty="0"/>
               <a:t>Topics in Information Systems and Programming Languages</a:t>
             </a:r>
-            <a:endParaRPr lang="en-IL" sz="3600" dirty="0"/>
+            <a:endParaRPr lang="en-IL" sz="4800" dirty="0"/>
           </a:p>
         </p:txBody>
       </p:sp>
@@ -3410,7 +3415,7 @@
         </p:nvSpPr>
         <p:spPr>
           <a:xfrm>
-            <a:off x="4372252" y="1888649"/>
+            <a:off x="4372251" y="2461500"/>
             <a:ext cx="3447495" cy="357403"/>
           </a:xfrm>
         </p:spPr>
@@ -3448,7 +3453,7 @@
         </p:nvSpPr>
         <p:spPr>
           <a:xfrm>
-            <a:off x="1630531" y="2984374"/>
+            <a:off x="1639767" y="3565236"/>
             <a:ext cx="9144000" cy="1112991"/>
           </a:xfrm>
           <a:prstGeom prst="rect">
@@ -3480,7 +3485,7 @@
           </a:lstStyle>
           <a:p>
             <a:r>
-              <a:rPr lang="en-US" sz="3600" dirty="0"/>
+              <a:rPr lang="en-US" sz="4800" dirty="0"/>
               <a:t>Java and the Spring Boot framework</a:t>
             </a:r>
           </a:p>
@@ -3672,7 +3677,7 @@
         </p:blipFill>
         <p:spPr>
           <a:xfrm>
-            <a:off x="5081934" y="230765"/>
+            <a:off x="5073870" y="4799301"/>
             <a:ext cx="6081366" cy="1893599"/>
           </a:xfrm>
           <a:prstGeom prst="rect">
@@ -3702,7 +3707,7 @@
         </p:blipFill>
         <p:spPr>
           <a:xfrm>
-            <a:off x="5081934" y="2189209"/>
+            <a:off x="5065807" y="165100"/>
             <a:ext cx="6097493" cy="4438026"/>
           </a:xfrm>
           <a:prstGeom prst="rect">
@@ -4188,12 +4193,8 @@
           <a:p>
             <a:pPr algn="l" rtl="0"/>
             <a:r>
-              <a:rPr lang="en-US" sz="2000" dirty="0"/>
-              <a:t>Spring MVC is a Java framework which is used to build web applications. It follows the </a:t>
-            </a:r>
-            <a:r>
               <a:rPr lang="en-US" sz="2400" dirty="0"/>
-              <a:t>Model-View-Controller design pattern. It implements all the basic features of a core spring framework.</a:t>
+              <a:t>Spring MVC is a Java framework which is used to build web applications. It follows the Model-View-Controller design pattern. It implements all the basic features of a core spring framework.</a:t>
             </a:r>
           </a:p>
           <a:p>
@@ -4595,7 +4596,7 @@
                 <a:ea typeface="Calibri" panose="020F0502020204030204" pitchFamily="34" charset="0"/>
                 <a:cs typeface="Arial" panose="020B0604020202020204" pitchFamily="34" charset="0"/>
               </a:rPr>
-              <a:t>The downside is however, just like with any Java application, is the robustness of the code, and the number of lines, compared to other languages, needed to perform simple tasks, although the Spring Framework makes this a bit easier.</a:t>
+              <a:t>The downside however, just like with any Java application, is the robustness of the code, and the number of lines, compared to other languages, needed to perform simple tasks, although the Spring Framework makes this a bit easier.</a:t>
             </a:r>
             <a:endParaRPr lang="en-US" dirty="0">
               <a:solidFill>
@@ -4706,71 +4707,14 @@
             </a:r>
             <a:r>
               <a:rPr lang="en-US" dirty="0"/>
-              <a:t> is a </a:t>
-            </a:r>
-            <a:r>
-              <a:rPr lang="en-US" dirty="0">
-                <a:hlinkClick r:id="rId2" tooltip="High-level programming language"/>
-              </a:rPr>
-              <a:t>high-level</a:t>
-            </a:r>
+              <a:t> is a high-level, statically-typed, class-based, object-oriented programming language</a:t>
+            </a:r>
+          </a:p>
+          <a:p>
+            <a:pPr algn="l" rtl="0"/>
             <a:r>
               <a:rPr lang="en-US" dirty="0"/>
-              <a:t>, statically-typed, </a:t>
-            </a:r>
-            <a:r>
-              <a:rPr lang="en-US" dirty="0">
-                <a:hlinkClick r:id="rId3" tooltip="Class-based programming"/>
-              </a:rPr>
-              <a:t>class-based</a:t>
-            </a:r>
-            <a:r>
-              <a:rPr lang="en-US" dirty="0"/>
-              <a:t>, </a:t>
-            </a:r>
-            <a:r>
-              <a:rPr lang="en-US" dirty="0">
-                <a:hlinkClick r:id="rId4" tooltip="Object-oriented programming"/>
-              </a:rPr>
-              <a:t>object-oriented</a:t>
-            </a:r>
-            <a:r>
-              <a:rPr lang="en-US" dirty="0"/>
-              <a:t> </a:t>
-            </a:r>
-            <a:r>
-              <a:rPr lang="en-US" dirty="0">
-                <a:hlinkClick r:id="rId5" tooltip="Programming language"/>
-              </a:rPr>
-              <a:t>programming language</a:t>
-            </a:r>
-            <a:endParaRPr lang="en-US" dirty="0"/>
-          </a:p>
-          <a:p>
-            <a:pPr algn="l" rtl="0"/>
-            <a:r>
-              <a:rPr lang="en-US" dirty="0"/>
-              <a:t>It is a </a:t>
-            </a:r>
-            <a:r>
-              <a:rPr lang="en-US" dirty="0">
-                <a:hlinkClick r:id="rId6" tooltip="General-purpose language"/>
-              </a:rPr>
-              <a:t>general-purpose</a:t>
-            </a:r>
-            <a:r>
-              <a:rPr lang="en-US" dirty="0"/>
-              <a:t> programming language intended to let </a:t>
-            </a:r>
-            <a:r>
-              <a:rPr lang="en-US" dirty="0">
-                <a:hlinkClick r:id="rId7" tooltip="Programmer"/>
-              </a:rPr>
-              <a:t>programmers</a:t>
-            </a:r>
-            <a:r>
-              <a:rPr lang="en-US" dirty="0"/>
-              <a:t> </a:t>
+              <a:t>It is a general-purpose programming language intended to let programmers </a:t>
             </a:r>
             <a:r>
               <a:rPr lang="en-US" i="1" dirty="0"/>
@@ -4781,52 +4725,59 @@
             <a:pPr algn="l" rtl="0"/>
             <a:r>
               <a:rPr lang="en-US" dirty="0"/>
-              <a:t>Java is one of the most </a:t>
-            </a:r>
-            <a:r>
-              <a:rPr lang="en-US" dirty="0">
-                <a:hlinkClick r:id="rId8" tooltip="Measuring programming language popularity"/>
-              </a:rPr>
-              <a:t>popular programming languages in use</a:t>
-            </a:r>
-            <a:r>
-              <a:rPr lang="en-US" dirty="0"/>
-              <a:t> according to </a:t>
-            </a:r>
-            <a:r>
-              <a:rPr lang="en-US" dirty="0">
-                <a:hlinkClick r:id="rId9" tooltip="GitHub"/>
-              </a:rPr>
-              <a:t>GitHub</a:t>
-            </a:r>
-            <a:r>
-              <a:rPr lang="en-US" dirty="0"/>
-              <a:t>, particularly for </a:t>
-            </a:r>
-            <a:r>
-              <a:rPr lang="en-US" dirty="0">
-                <a:hlinkClick r:id="rId10" tooltip="Client–server model"/>
-              </a:rPr>
-              <a:t>client–server</a:t>
-            </a:r>
-            <a:r>
-              <a:rPr lang="en-US" dirty="0"/>
-              <a:t> </a:t>
-            </a:r>
-            <a:r>
-              <a:rPr lang="en-US" dirty="0">
-                <a:hlinkClick r:id="rId11" tooltip="Web application"/>
-              </a:rPr>
-              <a:t>web applications</a:t>
-            </a:r>
-            <a:r>
-              <a:rPr lang="en-US" dirty="0"/>
-              <a:t>, with a reported 9 million developers</a:t>
+              <a:t>Java is one of the most popular programming languages in use according to GitHub, particularly for client–server web applications, with a reported 9 million developers</a:t>
             </a:r>
             <a:endParaRPr lang="en-IL" dirty="0"/>
           </a:p>
         </p:txBody>
       </p:sp>
+      <p:pic>
+        <p:nvPicPr>
+          <p:cNvPr id="1030" name="Picture 6">
+            <a:extLst>
+              <a:ext uri="{FF2B5EF4-FFF2-40B4-BE49-F238E27FC236}">
+                <a16:creationId xmlns:a16="http://schemas.microsoft.com/office/drawing/2014/main" id="{8458AD2E-0CB6-B06C-4C18-58B3611F3697}"/>
+              </a:ext>
+            </a:extLst>
+          </p:cNvPr>
+          <p:cNvPicPr>
+            <a:picLocks noChangeAspect="1" noChangeArrowheads="1"/>
+          </p:cNvPicPr>
+          <p:nvPr/>
+        </p:nvPicPr>
+        <p:blipFill>
+          <a:blip r:embed="rId2">
+            <a:extLst>
+              <a:ext uri="{28A0092B-C50C-407E-A947-70E740481C1C}">
+                <a14:useLocalDpi xmlns:a14="http://schemas.microsoft.com/office/drawing/2010/main" val="0"/>
+              </a:ext>
+            </a:extLst>
+          </a:blip>
+          <a:srcRect/>
+          <a:stretch>
+            <a:fillRect/>
+          </a:stretch>
+        </p:blipFill>
+        <p:spPr bwMode="auto">
+          <a:xfrm>
+            <a:off x="10991341" y="365124"/>
+            <a:ext cx="724917" cy="1325563"/>
+          </a:xfrm>
+          <a:prstGeom prst="rect">
+            <a:avLst/>
+          </a:prstGeom>
+          <a:noFill/>
+          <a:extLst>
+            <a:ext uri="{909E8E84-426E-40DD-AFC4-6F175D3DCCD1}">
+              <a14:hiddenFill xmlns:a14="http://schemas.microsoft.com/office/drawing/2010/main">
+                <a:solidFill>
+                  <a:srgbClr val="FFFFFF"/>
+                </a:solidFill>
+              </a14:hiddenFill>
+            </a:ext>
+          </a:extLst>
+        </p:spPr>
+      </p:pic>
     </p:spTree>
     <p:extLst>
       <p:ext uri="{BB962C8B-B14F-4D97-AF65-F5344CB8AC3E}">
@@ -4945,6 +4896,53 @@
           </a:p>
         </p:txBody>
       </p:sp>
+      <p:pic>
+        <p:nvPicPr>
+          <p:cNvPr id="4" name="Picture 6">
+            <a:extLst>
+              <a:ext uri="{FF2B5EF4-FFF2-40B4-BE49-F238E27FC236}">
+                <a16:creationId xmlns:a16="http://schemas.microsoft.com/office/drawing/2014/main" id="{95E9CD14-3558-EB2D-CD1E-32B3AFFC1553}"/>
+              </a:ext>
+            </a:extLst>
+          </p:cNvPr>
+          <p:cNvPicPr>
+            <a:picLocks noChangeAspect="1" noChangeArrowheads="1"/>
+          </p:cNvPicPr>
+          <p:nvPr/>
+        </p:nvPicPr>
+        <p:blipFill>
+          <a:blip r:embed="rId2">
+            <a:extLst>
+              <a:ext uri="{28A0092B-C50C-407E-A947-70E740481C1C}">
+                <a14:useLocalDpi xmlns:a14="http://schemas.microsoft.com/office/drawing/2010/main" val="0"/>
+              </a:ext>
+            </a:extLst>
+          </a:blip>
+          <a:srcRect/>
+          <a:stretch>
+            <a:fillRect/>
+          </a:stretch>
+        </p:blipFill>
+        <p:spPr bwMode="auto">
+          <a:xfrm>
+            <a:off x="10991341" y="365124"/>
+            <a:ext cx="724917" cy="1325563"/>
+          </a:xfrm>
+          <a:prstGeom prst="rect">
+            <a:avLst/>
+          </a:prstGeom>
+          <a:noFill/>
+          <a:extLst>
+            <a:ext uri="{909E8E84-426E-40DD-AFC4-6F175D3DCCD1}">
+              <a14:hiddenFill xmlns:a14="http://schemas.microsoft.com/office/drawing/2010/main">
+                <a:solidFill>
+                  <a:srgbClr val="FFFFFF"/>
+                </a:solidFill>
+              </a14:hiddenFill>
+            </a:ext>
+          </a:extLst>
+        </p:spPr>
+      </p:pic>
     </p:spTree>
     <p:extLst>
       <p:ext uri="{BB962C8B-B14F-4D97-AF65-F5344CB8AC3E}">
@@ -5060,6 +5058,53 @@
           </a:p>
         </p:txBody>
       </p:sp>
+      <p:pic>
+        <p:nvPicPr>
+          <p:cNvPr id="4" name="Picture 6">
+            <a:extLst>
+              <a:ext uri="{FF2B5EF4-FFF2-40B4-BE49-F238E27FC236}">
+                <a16:creationId xmlns:a16="http://schemas.microsoft.com/office/drawing/2014/main" id="{E1B8C9A9-3208-60BE-9C8F-8739E3375A7F}"/>
+              </a:ext>
+            </a:extLst>
+          </p:cNvPr>
+          <p:cNvPicPr>
+            <a:picLocks noChangeAspect="1" noChangeArrowheads="1"/>
+          </p:cNvPicPr>
+          <p:nvPr/>
+        </p:nvPicPr>
+        <p:blipFill>
+          <a:blip r:embed="rId2">
+            <a:extLst>
+              <a:ext uri="{28A0092B-C50C-407E-A947-70E740481C1C}">
+                <a14:useLocalDpi xmlns:a14="http://schemas.microsoft.com/office/drawing/2010/main" val="0"/>
+              </a:ext>
+            </a:extLst>
+          </a:blip>
+          <a:srcRect/>
+          <a:stretch>
+            <a:fillRect/>
+          </a:stretch>
+        </p:blipFill>
+        <p:spPr bwMode="auto">
+          <a:xfrm>
+            <a:off x="10991341" y="365124"/>
+            <a:ext cx="724917" cy="1325563"/>
+          </a:xfrm>
+          <a:prstGeom prst="rect">
+            <a:avLst/>
+          </a:prstGeom>
+          <a:noFill/>
+          <a:extLst>
+            <a:ext uri="{909E8E84-426E-40DD-AFC4-6F175D3DCCD1}">
+              <a14:hiddenFill xmlns:a14="http://schemas.microsoft.com/office/drawing/2010/main">
+                <a:solidFill>
+                  <a:srgbClr val="FFFFFF"/>
+                </a:solidFill>
+              </a14:hiddenFill>
+            </a:ext>
+          </a:extLst>
+        </p:spPr>
+      </p:pic>
     </p:spTree>
     <p:extLst>
       <p:ext uri="{BB962C8B-B14F-4D97-AF65-F5344CB8AC3E}">
@@ -5113,7 +5158,7 @@
           <a:p>
             <a:pPr algn="l" rtl="0"/>
             <a:r>
-              <a:rPr lang="en-US" sz="4400">
+              <a:rPr lang="en-US" sz="4400" dirty="0">
                 <a:effectLst/>
                 <a:latin typeface="Calibri" panose="020F0502020204030204" pitchFamily="34" charset="0"/>
                 <a:ea typeface="Calibri" panose="020F0502020204030204" pitchFamily="34" charset="0"/>
@@ -5165,7 +5210,7 @@
               </a:spcAft>
             </a:pPr>
             <a:r>
-              <a:rPr lang="en-US" sz="2400">
+              <a:rPr lang="en-US" sz="2400" dirty="0">
                 <a:effectLst/>
                 <a:latin typeface="Calibri" panose="020F0502020204030204" pitchFamily="34" charset="0"/>
                 <a:ea typeface="Calibri" panose="020F0502020204030204" pitchFamily="34" charset="0"/>
@@ -5173,7 +5218,7 @@
               </a:rPr>
               <a:t>The Spring Framework (Spring) is an open-source application framework that provides infrastructure support for developing Java applications.</a:t>
             </a:r>
-            <a:endParaRPr lang="en-IL" sz="2400">
+            <a:endParaRPr lang="en-IL" sz="2400" dirty="0">
               <a:effectLst/>
               <a:latin typeface="Calibri" panose="020F0502020204030204" pitchFamily="34" charset="0"/>
               <a:ea typeface="Calibri" panose="020F0502020204030204" pitchFamily="34" charset="0"/>
@@ -5193,7 +5238,7 @@
               </a:spcAft>
             </a:pPr>
             <a:r>
-              <a:rPr lang="en-US" sz="2400">
+              <a:rPr lang="en-US" sz="2400" dirty="0">
                 <a:effectLst/>
                 <a:latin typeface="Calibri" panose="020F0502020204030204" pitchFamily="34" charset="0"/>
                 <a:ea typeface="Calibri" panose="020F0502020204030204" pitchFamily="34" charset="0"/>
@@ -5249,6 +5294,42 @@
           <a:ln>
             <a:noFill/>
           </a:ln>
+        </p:spPr>
+      </p:pic>
+      <p:pic>
+        <p:nvPicPr>
+          <p:cNvPr id="7" name="תמונה 6">
+            <a:extLst>
+              <a:ext uri="{FF2B5EF4-FFF2-40B4-BE49-F238E27FC236}">
+                <a16:creationId xmlns:a16="http://schemas.microsoft.com/office/drawing/2014/main" id="{2634347F-1E10-C936-A251-512F7D9D8A4A}"/>
+              </a:ext>
+            </a:extLst>
+          </p:cNvPr>
+          <p:cNvPicPr>
+            <a:picLocks noChangeAspect="1"/>
+          </p:cNvPicPr>
+          <p:nvPr/>
+        </p:nvPicPr>
+        <p:blipFill>
+          <a:blip r:embed="rId3">
+            <a:extLst>
+              <a:ext uri="{28A0092B-C50C-407E-A947-70E740481C1C}">
+                <a14:useLocalDpi xmlns:a14="http://schemas.microsoft.com/office/drawing/2010/main" val="0"/>
+              </a:ext>
+            </a:extLst>
+          </a:blip>
+          <a:stretch>
+            <a:fillRect/>
+          </a:stretch>
+        </p:blipFill>
+        <p:spPr>
+          <a:xfrm>
+            <a:off x="9141691" y="365125"/>
+            <a:ext cx="2417618" cy="1208809"/>
+          </a:xfrm>
+          <a:prstGeom prst="rect">
+            <a:avLst/>
+          </a:prstGeom>
         </p:spPr>
       </p:pic>
     </p:spTree>
@@ -5348,6 +5429,42 @@
           </a:p>
         </p:txBody>
       </p:sp>
+      <p:pic>
+        <p:nvPicPr>
+          <p:cNvPr id="4" name="תמונה 3">
+            <a:extLst>
+              <a:ext uri="{FF2B5EF4-FFF2-40B4-BE49-F238E27FC236}">
+                <a16:creationId xmlns:a16="http://schemas.microsoft.com/office/drawing/2014/main" id="{DB6EEEAF-A460-92B0-2187-3B76B252DF03}"/>
+              </a:ext>
+            </a:extLst>
+          </p:cNvPr>
+          <p:cNvPicPr>
+            <a:picLocks noChangeAspect="1"/>
+          </p:cNvPicPr>
+          <p:nvPr/>
+        </p:nvPicPr>
+        <p:blipFill>
+          <a:blip r:embed="rId2">
+            <a:extLst>
+              <a:ext uri="{28A0092B-C50C-407E-A947-70E740481C1C}">
+                <a14:useLocalDpi xmlns:a14="http://schemas.microsoft.com/office/drawing/2010/main" val="0"/>
+              </a:ext>
+            </a:extLst>
+          </a:blip>
+          <a:stretch>
+            <a:fillRect/>
+          </a:stretch>
+        </p:blipFill>
+        <p:spPr>
+          <a:xfrm>
+            <a:off x="9141691" y="365125"/>
+            <a:ext cx="2417618" cy="1208809"/>
+          </a:xfrm>
+          <a:prstGeom prst="rect">
+            <a:avLst/>
+          </a:prstGeom>
+        </p:spPr>
+      </p:pic>
     </p:spTree>
     <p:extLst>
       <p:ext uri="{BB962C8B-B14F-4D97-AF65-F5344CB8AC3E}">
@@ -5545,6 +5662,42 @@
           </a:p>
         </p:txBody>
       </p:sp>
+      <p:pic>
+        <p:nvPicPr>
+          <p:cNvPr id="4" name="תמונה 3">
+            <a:extLst>
+              <a:ext uri="{FF2B5EF4-FFF2-40B4-BE49-F238E27FC236}">
+                <a16:creationId xmlns:a16="http://schemas.microsoft.com/office/drawing/2014/main" id="{332A557F-81CF-FBE2-D18E-9AF7D5E455D4}"/>
+              </a:ext>
+            </a:extLst>
+          </p:cNvPr>
+          <p:cNvPicPr>
+            <a:picLocks noChangeAspect="1"/>
+          </p:cNvPicPr>
+          <p:nvPr/>
+        </p:nvPicPr>
+        <p:blipFill>
+          <a:blip r:embed="rId2">
+            <a:extLst>
+              <a:ext uri="{28A0092B-C50C-407E-A947-70E740481C1C}">
+                <a14:useLocalDpi xmlns:a14="http://schemas.microsoft.com/office/drawing/2010/main" val="0"/>
+              </a:ext>
+            </a:extLst>
+          </a:blip>
+          <a:stretch>
+            <a:fillRect/>
+          </a:stretch>
+        </p:blipFill>
+        <p:spPr>
+          <a:xfrm>
+            <a:off x="9141691" y="365125"/>
+            <a:ext cx="2417618" cy="1208809"/>
+          </a:xfrm>
+          <a:prstGeom prst="rect">
+            <a:avLst/>
+          </a:prstGeom>
+        </p:spPr>
+      </p:pic>
     </p:spTree>
     <p:extLst>
       <p:ext uri="{BB962C8B-B14F-4D97-AF65-F5344CB8AC3E}">
@@ -5617,7 +5770,7 @@
             </a:r>
             <a:r>
               <a:rPr lang="en-US" dirty="0"/>
-              <a:t> – SQL Database Abstraction</a:t>
+              <a:t> –                            SQL Database Abstraction</a:t>
             </a:r>
             <a:endParaRPr lang="en-IL" dirty="0"/>
           </a:p>
@@ -5757,6 +5910,53 @@
           </a:p>
         </p:txBody>
       </p:sp>
+      <p:pic>
+        <p:nvPicPr>
+          <p:cNvPr id="2050" name="Picture 2" descr="Learn about @GeneratedValue annotation in JPA - Part 2 - Huong Dan Java">
+            <a:extLst>
+              <a:ext uri="{FF2B5EF4-FFF2-40B4-BE49-F238E27FC236}">
+                <a16:creationId xmlns:a16="http://schemas.microsoft.com/office/drawing/2014/main" id="{0A48B064-B195-BB72-8E77-03C60309857D}"/>
+              </a:ext>
+            </a:extLst>
+          </p:cNvPr>
+          <p:cNvPicPr>
+            <a:picLocks noChangeAspect="1" noChangeArrowheads="1"/>
+          </p:cNvPicPr>
+          <p:nvPr/>
+        </p:nvPicPr>
+        <p:blipFill>
+          <a:blip r:embed="rId2">
+            <a:extLst>
+              <a:ext uri="{28A0092B-C50C-407E-A947-70E740481C1C}">
+                <a14:useLocalDpi xmlns:a14="http://schemas.microsoft.com/office/drawing/2010/main" val="0"/>
+              </a:ext>
+            </a:extLst>
+          </a:blip>
+          <a:srcRect/>
+          <a:stretch>
+            <a:fillRect/>
+          </a:stretch>
+        </p:blipFill>
+        <p:spPr bwMode="auto">
+          <a:xfrm>
+            <a:off x="8964178" y="369275"/>
+            <a:ext cx="2389622" cy="1321413"/>
+          </a:xfrm>
+          <a:prstGeom prst="rect">
+            <a:avLst/>
+          </a:prstGeom>
+          <a:noFill/>
+          <a:extLst>
+            <a:ext uri="{909E8E84-426E-40DD-AFC4-6F175D3DCCD1}">
+              <a14:hiddenFill xmlns:a14="http://schemas.microsoft.com/office/drawing/2010/main">
+                <a:solidFill>
+                  <a:srgbClr val="FFFFFF"/>
+                </a:solidFill>
+              </a14:hiddenFill>
+            </a:ext>
+          </a:extLst>
+        </p:spPr>
+      </p:pic>
     </p:spTree>
     <p:extLst>
       <p:ext uri="{BB962C8B-B14F-4D97-AF65-F5344CB8AC3E}">
@@ -5869,7 +6069,7 @@
                 <a:ea typeface="Times New Roman" panose="02020603050405020304" pitchFamily="18" charset="0"/>
                 <a:cs typeface="Arial" panose="020B0604020202020204" pitchFamily="34" charset="0"/>
               </a:rPr>
-              <a:t>Java provides an easy way to serialize and deserialize objects to and from JSON.</a:t>
+              <a:t>Java provides an easy way to serialize and deserialize objects to and from JSON via Jackson .</a:t>
             </a:r>
             <a:endParaRPr lang="en-US" sz="2400" dirty="0">
               <a:solidFill>
@@ -5942,6 +6142,42 @@
           </a:p>
         </p:txBody>
       </p:sp>
+      <p:pic>
+        <p:nvPicPr>
+          <p:cNvPr id="6" name="תמונה 5">
+            <a:extLst>
+              <a:ext uri="{FF2B5EF4-FFF2-40B4-BE49-F238E27FC236}">
+                <a16:creationId xmlns:a16="http://schemas.microsoft.com/office/drawing/2014/main" id="{05DEFD74-27E7-05DF-0FDF-1D059B275ADE}"/>
+              </a:ext>
+            </a:extLst>
+          </p:cNvPr>
+          <p:cNvPicPr>
+            <a:picLocks noChangeAspect="1"/>
+          </p:cNvPicPr>
+          <p:nvPr/>
+        </p:nvPicPr>
+        <p:blipFill>
+          <a:blip r:embed="rId2">
+            <a:extLst>
+              <a:ext uri="{28A0092B-C50C-407E-A947-70E740481C1C}">
+                <a14:useLocalDpi xmlns:a14="http://schemas.microsoft.com/office/drawing/2010/main" val="0"/>
+              </a:ext>
+            </a:extLst>
+          </a:blip>
+          <a:stretch>
+            <a:fillRect/>
+          </a:stretch>
+        </p:blipFill>
+        <p:spPr>
+          <a:xfrm>
+            <a:off x="4174836" y="4524540"/>
+            <a:ext cx="3842327" cy="1876136"/>
+          </a:xfrm>
+          <a:prstGeom prst="rect">
+            <a:avLst/>
+          </a:prstGeom>
+        </p:spPr>
+      </p:pic>
     </p:spTree>
     <p:extLst>
       <p:ext uri="{BB962C8B-B14F-4D97-AF65-F5344CB8AC3E}">

--- a/Presentation.pptx
+++ b/Presentation.pptx
@@ -4,6 +4,9 @@
   <p:sldMasterIdLst>
     <p:sldMasterId id="2147483648" r:id="rId1"/>
   </p:sldMasterIdLst>
+  <p:notesMasterIdLst>
+    <p:notesMasterId r:id="rId17"/>
+  </p:notesMasterIdLst>
   <p:sldIdLst>
     <p:sldId id="256" r:id="rId2"/>
     <p:sldId id="257" r:id="rId3"/>
@@ -126,6 +129,440 @@
 </p:presentation>
 </file>
 
+<file path=ppt/notesMasters/notesMaster1.xml><?xml version="1.0" encoding="utf-8"?>
+<p:notesMaster xmlns:a="http://schemas.openxmlformats.org/drawingml/2006/main" xmlns:r="http://schemas.openxmlformats.org/officeDocument/2006/relationships" xmlns:p="http://schemas.openxmlformats.org/presentationml/2006/main">
+  <p:cSld>
+    <p:bg>
+      <p:bgRef idx="1001">
+        <a:schemeClr val="bg1"/>
+      </p:bgRef>
+    </p:bg>
+    <p:spTree>
+      <p:nvGrpSpPr>
+        <p:cNvPr id="1" name=""/>
+        <p:cNvGrpSpPr/>
+        <p:nvPr/>
+      </p:nvGrpSpPr>
+      <p:grpSpPr>
+        <a:xfrm>
+          <a:off x="0" y="0"/>
+          <a:ext cx="0" cy="0"/>
+          <a:chOff x="0" y="0"/>
+          <a:chExt cx="0" cy="0"/>
+        </a:xfrm>
+      </p:grpSpPr>
+      <p:sp>
+        <p:nvSpPr>
+          <p:cNvPr id="2" name="מציין מיקום של כותרת עליונה 1"/>
+          <p:cNvSpPr>
+            <a:spLocks noGrp="1"/>
+          </p:cNvSpPr>
+          <p:nvPr>
+            <p:ph type="hdr" sz="quarter"/>
+          </p:nvPr>
+        </p:nvSpPr>
+        <p:spPr>
+          <a:xfrm>
+            <a:off x="3886200" y="0"/>
+            <a:ext cx="2971800" cy="458788"/>
+          </a:xfrm>
+          <a:prstGeom prst="rect">
+            <a:avLst/>
+          </a:prstGeom>
+        </p:spPr>
+        <p:txBody>
+          <a:bodyPr vert="horz" lIns="91440" tIns="45720" rIns="91440" bIns="45720" rtlCol="1"/>
+          <a:lstStyle>
+            <a:lvl1pPr algn="l">
+              <a:defRPr sz="1200"/>
+            </a:lvl1pPr>
+          </a:lstStyle>
+          <a:p>
+            <a:endParaRPr lang="en-IL"/>
+          </a:p>
+        </p:txBody>
+      </p:sp>
+      <p:sp>
+        <p:nvSpPr>
+          <p:cNvPr id="3" name="מציין מיקום של תאריך 2"/>
+          <p:cNvSpPr>
+            <a:spLocks noGrp="1"/>
+          </p:cNvSpPr>
+          <p:nvPr>
+            <p:ph type="dt" idx="1"/>
+          </p:nvPr>
+        </p:nvSpPr>
+        <p:spPr>
+          <a:xfrm>
+            <a:off x="1588" y="0"/>
+            <a:ext cx="2971800" cy="458788"/>
+          </a:xfrm>
+          <a:prstGeom prst="rect">
+            <a:avLst/>
+          </a:prstGeom>
+        </p:spPr>
+        <p:txBody>
+          <a:bodyPr vert="horz" lIns="91440" tIns="45720" rIns="91440" bIns="45720" rtlCol="1"/>
+          <a:lstStyle>
+            <a:lvl1pPr algn="r">
+              <a:defRPr sz="1200"/>
+            </a:lvl1pPr>
+          </a:lstStyle>
+          <a:p>
+            <a:fld id="{84F62E1D-54BA-4026-8592-4361FCBB5AF8}" type="datetimeFigureOut">
+              <a:rPr lang="en-IL" smtClean="0"/>
+              <a:t>17/06/2022</a:t>
+            </a:fld>
+            <a:endParaRPr lang="en-IL"/>
+          </a:p>
+        </p:txBody>
+      </p:sp>
+      <p:sp>
+        <p:nvSpPr>
+          <p:cNvPr id="4" name="מציין מיקום של תמונת שקופית 3"/>
+          <p:cNvSpPr>
+            <a:spLocks noGrp="1" noRot="1" noChangeAspect="1"/>
+          </p:cNvSpPr>
+          <p:nvPr>
+            <p:ph type="sldImg" idx="2"/>
+          </p:nvPr>
+        </p:nvSpPr>
+        <p:spPr>
+          <a:xfrm>
+            <a:off x="685800" y="1143000"/>
+            <a:ext cx="5486400" cy="3086100"/>
+          </a:xfrm>
+          <a:prstGeom prst="rect">
+            <a:avLst/>
+          </a:prstGeom>
+          <a:noFill/>
+          <a:ln w="12700">
+            <a:solidFill>
+              <a:prstClr val="black"/>
+            </a:solidFill>
+          </a:ln>
+        </p:spPr>
+        <p:txBody>
+          <a:bodyPr vert="horz" lIns="91440" tIns="45720" rIns="91440" bIns="45720" rtlCol="1" anchor="ctr"/>
+          <a:lstStyle/>
+          <a:p>
+            <a:endParaRPr lang="en-IL"/>
+          </a:p>
+        </p:txBody>
+      </p:sp>
+      <p:sp>
+        <p:nvSpPr>
+          <p:cNvPr id="5" name="מציין מיקום של הערות 4"/>
+          <p:cNvSpPr>
+            <a:spLocks noGrp="1"/>
+          </p:cNvSpPr>
+          <p:nvPr>
+            <p:ph type="body" sz="quarter" idx="3"/>
+          </p:nvPr>
+        </p:nvSpPr>
+        <p:spPr>
+          <a:xfrm>
+            <a:off x="685800" y="4400550"/>
+            <a:ext cx="5486400" cy="3600450"/>
+          </a:xfrm>
+          <a:prstGeom prst="rect">
+            <a:avLst/>
+          </a:prstGeom>
+        </p:spPr>
+        <p:txBody>
+          <a:bodyPr vert="horz" lIns="91440" tIns="45720" rIns="91440" bIns="45720" rtlCol="1"/>
+          <a:lstStyle/>
+          <a:p>
+            <a:pPr lvl="0"/>
+            <a:r>
+              <a:rPr lang="he-IL"/>
+              <a:t>לחץ כדי לערוך סגנונות טקסט של תבנית בסיס</a:t>
+            </a:r>
+          </a:p>
+          <a:p>
+            <a:pPr lvl="1"/>
+            <a:r>
+              <a:rPr lang="he-IL"/>
+              <a:t>רמה שנייה</a:t>
+            </a:r>
+          </a:p>
+          <a:p>
+            <a:pPr lvl="2"/>
+            <a:r>
+              <a:rPr lang="he-IL"/>
+              <a:t>רמה שלישית</a:t>
+            </a:r>
+          </a:p>
+          <a:p>
+            <a:pPr lvl="3"/>
+            <a:r>
+              <a:rPr lang="he-IL"/>
+              <a:t>רמה רביעית</a:t>
+            </a:r>
+          </a:p>
+          <a:p>
+            <a:pPr lvl="4"/>
+            <a:r>
+              <a:rPr lang="he-IL"/>
+              <a:t>רמה חמישית</a:t>
+            </a:r>
+            <a:endParaRPr lang="en-IL"/>
+          </a:p>
+        </p:txBody>
+      </p:sp>
+      <p:sp>
+        <p:nvSpPr>
+          <p:cNvPr id="6" name="מציין מיקום של כותרת תחתונה 5"/>
+          <p:cNvSpPr>
+            <a:spLocks noGrp="1"/>
+          </p:cNvSpPr>
+          <p:nvPr>
+            <p:ph type="ftr" sz="quarter" idx="4"/>
+          </p:nvPr>
+        </p:nvSpPr>
+        <p:spPr>
+          <a:xfrm>
+            <a:off x="3886200" y="8685213"/>
+            <a:ext cx="2971800" cy="458787"/>
+          </a:xfrm>
+          <a:prstGeom prst="rect">
+            <a:avLst/>
+          </a:prstGeom>
+        </p:spPr>
+        <p:txBody>
+          <a:bodyPr vert="horz" lIns="91440" tIns="45720" rIns="91440" bIns="45720" rtlCol="1" anchor="b"/>
+          <a:lstStyle>
+            <a:lvl1pPr algn="l">
+              <a:defRPr sz="1200"/>
+            </a:lvl1pPr>
+          </a:lstStyle>
+          <a:p>
+            <a:endParaRPr lang="en-IL"/>
+          </a:p>
+        </p:txBody>
+      </p:sp>
+      <p:sp>
+        <p:nvSpPr>
+          <p:cNvPr id="7" name="מציין מיקום של מספר שקופית 6"/>
+          <p:cNvSpPr>
+            <a:spLocks noGrp="1"/>
+          </p:cNvSpPr>
+          <p:nvPr>
+            <p:ph type="sldNum" sz="quarter" idx="5"/>
+          </p:nvPr>
+        </p:nvSpPr>
+        <p:spPr>
+          <a:xfrm>
+            <a:off x="1588" y="8685213"/>
+            <a:ext cx="2971800" cy="458787"/>
+          </a:xfrm>
+          <a:prstGeom prst="rect">
+            <a:avLst/>
+          </a:prstGeom>
+        </p:spPr>
+        <p:txBody>
+          <a:bodyPr vert="horz" lIns="91440" tIns="45720" rIns="91440" bIns="45720" rtlCol="1" anchor="b"/>
+          <a:lstStyle>
+            <a:lvl1pPr algn="r">
+              <a:defRPr sz="1200"/>
+            </a:lvl1pPr>
+          </a:lstStyle>
+          <a:p>
+            <a:fld id="{CD866213-E028-43CC-8154-6AFF9F63F537}" type="slidenum">
+              <a:rPr lang="en-IL" smtClean="0"/>
+              <a:t>‹#›</a:t>
+            </a:fld>
+            <a:endParaRPr lang="en-IL"/>
+          </a:p>
+        </p:txBody>
+      </p:sp>
+    </p:spTree>
+    <p:extLst>
+      <p:ext uri="{BB962C8B-B14F-4D97-AF65-F5344CB8AC3E}">
+        <p14:creationId xmlns:p14="http://schemas.microsoft.com/office/powerpoint/2010/main" val="1900609209"/>
+      </p:ext>
+    </p:extLst>
+  </p:cSld>
+  <p:clrMap bg1="lt1" tx1="dk1" bg2="lt2" tx2="dk2" accent1="accent1" accent2="accent2" accent3="accent3" accent4="accent4" accent5="accent5" accent6="accent6" hlink="hlink" folHlink="folHlink"/>
+  <p:notesStyle>
+    <a:lvl1pPr marL="0" algn="r" defTabSz="914400" rtl="1" eaLnBrk="1" latinLnBrk="0" hangingPunct="1">
+      <a:defRPr sz="1200" kern="1200">
+        <a:solidFill>
+          <a:schemeClr val="tx1"/>
+        </a:solidFill>
+        <a:latin typeface="+mn-lt"/>
+        <a:ea typeface="+mn-ea"/>
+        <a:cs typeface="+mn-cs"/>
+      </a:defRPr>
+    </a:lvl1pPr>
+    <a:lvl2pPr marL="457200" algn="r" defTabSz="914400" rtl="1" eaLnBrk="1" latinLnBrk="0" hangingPunct="1">
+      <a:defRPr sz="1200" kern="1200">
+        <a:solidFill>
+          <a:schemeClr val="tx1"/>
+        </a:solidFill>
+        <a:latin typeface="+mn-lt"/>
+        <a:ea typeface="+mn-ea"/>
+        <a:cs typeface="+mn-cs"/>
+      </a:defRPr>
+    </a:lvl2pPr>
+    <a:lvl3pPr marL="914400" algn="r" defTabSz="914400" rtl="1" eaLnBrk="1" latinLnBrk="0" hangingPunct="1">
+      <a:defRPr sz="1200" kern="1200">
+        <a:solidFill>
+          <a:schemeClr val="tx1"/>
+        </a:solidFill>
+        <a:latin typeface="+mn-lt"/>
+        <a:ea typeface="+mn-ea"/>
+        <a:cs typeface="+mn-cs"/>
+      </a:defRPr>
+    </a:lvl3pPr>
+    <a:lvl4pPr marL="1371600" algn="r" defTabSz="914400" rtl="1" eaLnBrk="1" latinLnBrk="0" hangingPunct="1">
+      <a:defRPr sz="1200" kern="1200">
+        <a:solidFill>
+          <a:schemeClr val="tx1"/>
+        </a:solidFill>
+        <a:latin typeface="+mn-lt"/>
+        <a:ea typeface="+mn-ea"/>
+        <a:cs typeface="+mn-cs"/>
+      </a:defRPr>
+    </a:lvl4pPr>
+    <a:lvl5pPr marL="1828800" algn="r" defTabSz="914400" rtl="1" eaLnBrk="1" latinLnBrk="0" hangingPunct="1">
+      <a:defRPr sz="1200" kern="1200">
+        <a:solidFill>
+          <a:schemeClr val="tx1"/>
+        </a:solidFill>
+        <a:latin typeface="+mn-lt"/>
+        <a:ea typeface="+mn-ea"/>
+        <a:cs typeface="+mn-cs"/>
+      </a:defRPr>
+    </a:lvl5pPr>
+    <a:lvl6pPr marL="2286000" algn="r" defTabSz="914400" rtl="1" eaLnBrk="1" latinLnBrk="0" hangingPunct="1">
+      <a:defRPr sz="1200" kern="1200">
+        <a:solidFill>
+          <a:schemeClr val="tx1"/>
+        </a:solidFill>
+        <a:latin typeface="+mn-lt"/>
+        <a:ea typeface="+mn-ea"/>
+        <a:cs typeface="+mn-cs"/>
+      </a:defRPr>
+    </a:lvl6pPr>
+    <a:lvl7pPr marL="2743200" algn="r" defTabSz="914400" rtl="1" eaLnBrk="1" latinLnBrk="0" hangingPunct="1">
+      <a:defRPr sz="1200" kern="1200">
+        <a:solidFill>
+          <a:schemeClr val="tx1"/>
+        </a:solidFill>
+        <a:latin typeface="+mn-lt"/>
+        <a:ea typeface="+mn-ea"/>
+        <a:cs typeface="+mn-cs"/>
+      </a:defRPr>
+    </a:lvl7pPr>
+    <a:lvl8pPr marL="3200400" algn="r" defTabSz="914400" rtl="1" eaLnBrk="1" latinLnBrk="0" hangingPunct="1">
+      <a:defRPr sz="1200" kern="1200">
+        <a:solidFill>
+          <a:schemeClr val="tx1"/>
+        </a:solidFill>
+        <a:latin typeface="+mn-lt"/>
+        <a:ea typeface="+mn-ea"/>
+        <a:cs typeface="+mn-cs"/>
+      </a:defRPr>
+    </a:lvl8pPr>
+    <a:lvl9pPr marL="3657600" algn="r" defTabSz="914400" rtl="1" eaLnBrk="1" latinLnBrk="0" hangingPunct="1">
+      <a:defRPr sz="1200" kern="1200">
+        <a:solidFill>
+          <a:schemeClr val="tx1"/>
+        </a:solidFill>
+        <a:latin typeface="+mn-lt"/>
+        <a:ea typeface="+mn-ea"/>
+        <a:cs typeface="+mn-cs"/>
+      </a:defRPr>
+    </a:lvl9pPr>
+  </p:notesStyle>
+</p:notesMaster>
+</file>
+
+<file path=ppt/notesSlides/notesSlide1.xml><?xml version="1.0" encoding="utf-8"?>
+<p:notes xmlns:a="http://schemas.openxmlformats.org/drawingml/2006/main" xmlns:r="http://schemas.openxmlformats.org/officeDocument/2006/relationships" xmlns:p="http://schemas.openxmlformats.org/presentationml/2006/main">
+  <p:cSld>
+    <p:spTree>
+      <p:nvGrpSpPr>
+        <p:cNvPr id="1" name=""/>
+        <p:cNvGrpSpPr/>
+        <p:nvPr/>
+      </p:nvGrpSpPr>
+      <p:grpSpPr>
+        <a:xfrm>
+          <a:off x="0" y="0"/>
+          <a:ext cx="0" cy="0"/>
+          <a:chOff x="0" y="0"/>
+          <a:chExt cx="0" cy="0"/>
+        </a:xfrm>
+      </p:grpSpPr>
+      <p:sp>
+        <p:nvSpPr>
+          <p:cNvPr id="2" name="מציין מיקום של תמונת שקופית 1"/>
+          <p:cNvSpPr>
+            <a:spLocks noGrp="1" noRot="1" noChangeAspect="1"/>
+          </p:cNvSpPr>
+          <p:nvPr>
+            <p:ph type="sldImg"/>
+          </p:nvPr>
+        </p:nvSpPr>
+        <p:spPr/>
+      </p:sp>
+      <p:sp>
+        <p:nvSpPr>
+          <p:cNvPr id="3" name="מציין מיקום של הערות 2"/>
+          <p:cNvSpPr>
+            <a:spLocks noGrp="1"/>
+          </p:cNvSpPr>
+          <p:nvPr>
+            <p:ph type="body" idx="1"/>
+          </p:nvPr>
+        </p:nvSpPr>
+        <p:spPr/>
+        <p:txBody>
+          <a:bodyPr/>
+          <a:lstStyle/>
+          <a:p>
+            <a:endParaRPr lang="en-IL" dirty="0"/>
+          </a:p>
+        </p:txBody>
+      </p:sp>
+      <p:sp>
+        <p:nvSpPr>
+          <p:cNvPr id="4" name="מציין מיקום של מספר שקופית 3"/>
+          <p:cNvSpPr>
+            <a:spLocks noGrp="1"/>
+          </p:cNvSpPr>
+          <p:nvPr>
+            <p:ph type="sldNum" sz="quarter" idx="5"/>
+          </p:nvPr>
+        </p:nvSpPr>
+        <p:spPr/>
+        <p:txBody>
+          <a:bodyPr/>
+          <a:lstStyle/>
+          <a:p>
+            <a:fld id="{CD866213-E028-43CC-8154-6AFF9F63F537}" type="slidenum">
+              <a:rPr lang="en-IL" smtClean="0"/>
+              <a:t>14</a:t>
+            </a:fld>
+            <a:endParaRPr lang="en-IL"/>
+          </a:p>
+        </p:txBody>
+      </p:sp>
+    </p:spTree>
+    <p:extLst>
+      <p:ext uri="{BB962C8B-B14F-4D97-AF65-F5344CB8AC3E}">
+        <p14:creationId xmlns:p14="http://schemas.microsoft.com/office/powerpoint/2010/main" val="3987711090"/>
+      </p:ext>
+    </p:extLst>
+  </p:cSld>
+  <p:clrMapOvr>
+    <a:masterClrMapping/>
+  </p:clrMapOvr>
+</p:notes>
+</file>
+
 <file path=ppt/slideLayouts/slideLayout1.xml><?xml version="1.0" encoding="utf-8"?>
 <p:sldLayout xmlns:a="http://schemas.openxmlformats.org/drawingml/2006/main" xmlns:r="http://schemas.openxmlformats.org/officeDocument/2006/relationships" xmlns:p="http://schemas.openxmlformats.org/presentationml/2006/main" type="title" preserve="1">
   <p:cSld name="שקופית כותרת">
@@ -275,7 +712,7 @@
           <a:p>
             <a:fld id="{674B62A3-0BAA-4283-AFEC-4263B47BD14B}" type="datetimeFigureOut">
               <a:rPr lang="en-IL" smtClean="0"/>
-              <a:t>11/06/2022</a:t>
+              <a:t>17/06/2022</a:t>
             </a:fld>
             <a:endParaRPr lang="en-IL"/>
           </a:p>
@@ -475,7 +912,7 @@
           <a:p>
             <a:fld id="{674B62A3-0BAA-4283-AFEC-4263B47BD14B}" type="datetimeFigureOut">
               <a:rPr lang="en-IL" smtClean="0"/>
-              <a:t>11/06/2022</a:t>
+              <a:t>17/06/2022</a:t>
             </a:fld>
             <a:endParaRPr lang="en-IL"/>
           </a:p>
@@ -685,7 +1122,7 @@
           <a:p>
             <a:fld id="{674B62A3-0BAA-4283-AFEC-4263B47BD14B}" type="datetimeFigureOut">
               <a:rPr lang="en-IL" smtClean="0"/>
-              <a:t>11/06/2022</a:t>
+              <a:t>17/06/2022</a:t>
             </a:fld>
             <a:endParaRPr lang="en-IL"/>
           </a:p>
@@ -885,7 +1322,7 @@
           <a:p>
             <a:fld id="{674B62A3-0BAA-4283-AFEC-4263B47BD14B}" type="datetimeFigureOut">
               <a:rPr lang="en-IL" smtClean="0"/>
-              <a:t>11/06/2022</a:t>
+              <a:t>17/06/2022</a:t>
             </a:fld>
             <a:endParaRPr lang="en-IL"/>
           </a:p>
@@ -1161,7 +1598,7 @@
           <a:p>
             <a:fld id="{674B62A3-0BAA-4283-AFEC-4263B47BD14B}" type="datetimeFigureOut">
               <a:rPr lang="en-IL" smtClean="0"/>
-              <a:t>11/06/2022</a:t>
+              <a:t>17/06/2022</a:t>
             </a:fld>
             <a:endParaRPr lang="en-IL"/>
           </a:p>
@@ -1429,7 +1866,7 @@
           <a:p>
             <a:fld id="{674B62A3-0BAA-4283-AFEC-4263B47BD14B}" type="datetimeFigureOut">
               <a:rPr lang="en-IL" smtClean="0"/>
-              <a:t>11/06/2022</a:t>
+              <a:t>17/06/2022</a:t>
             </a:fld>
             <a:endParaRPr lang="en-IL"/>
           </a:p>
@@ -1844,7 +2281,7 @@
           <a:p>
             <a:fld id="{674B62A3-0BAA-4283-AFEC-4263B47BD14B}" type="datetimeFigureOut">
               <a:rPr lang="en-IL" smtClean="0"/>
-              <a:t>11/06/2022</a:t>
+              <a:t>17/06/2022</a:t>
             </a:fld>
             <a:endParaRPr lang="en-IL"/>
           </a:p>
@@ -1986,7 +2423,7 @@
           <a:p>
             <a:fld id="{674B62A3-0BAA-4283-AFEC-4263B47BD14B}" type="datetimeFigureOut">
               <a:rPr lang="en-IL" smtClean="0"/>
-              <a:t>11/06/2022</a:t>
+              <a:t>17/06/2022</a:t>
             </a:fld>
             <a:endParaRPr lang="en-IL"/>
           </a:p>
@@ -2099,7 +2536,7 @@
           <a:p>
             <a:fld id="{674B62A3-0BAA-4283-AFEC-4263B47BD14B}" type="datetimeFigureOut">
               <a:rPr lang="en-IL" smtClean="0"/>
-              <a:t>11/06/2022</a:t>
+              <a:t>17/06/2022</a:t>
             </a:fld>
             <a:endParaRPr lang="en-IL"/>
           </a:p>
@@ -2412,7 +2849,7 @@
           <a:p>
             <a:fld id="{674B62A3-0BAA-4283-AFEC-4263B47BD14B}" type="datetimeFigureOut">
               <a:rPr lang="en-IL" smtClean="0"/>
-              <a:t>11/06/2022</a:t>
+              <a:t>17/06/2022</a:t>
             </a:fld>
             <a:endParaRPr lang="en-IL"/>
           </a:p>
@@ -2701,7 +3138,7 @@
           <a:p>
             <a:fld id="{674B62A3-0BAA-4283-AFEC-4263B47BD14B}" type="datetimeFigureOut">
               <a:rPr lang="en-IL" smtClean="0"/>
-              <a:t>11/06/2022</a:t>
+              <a:t>17/06/2022</a:t>
             </a:fld>
             <a:endParaRPr lang="en-IL"/>
           </a:p>
@@ -2944,7 +3381,7 @@
           <a:p>
             <a:fld id="{674B62A3-0BAA-4283-AFEC-4263B47BD14B}" type="datetimeFigureOut">
               <a:rPr lang="en-IL" smtClean="0"/>
-              <a:t>11/06/2022</a:t>
+              <a:t>17/06/2022</a:t>
             </a:fld>
             <a:endParaRPr lang="en-IL"/>
           </a:p>
@@ -3657,10 +4094,10 @@
       </p:sp>
       <p:pic>
         <p:nvPicPr>
-          <p:cNvPr id="6" name="תמונה 5">
-            <a:extLst>
-              <a:ext uri="{FF2B5EF4-FFF2-40B4-BE49-F238E27FC236}">
-                <a16:creationId xmlns:a16="http://schemas.microsoft.com/office/drawing/2014/main" id="{8E105132-7BB4-F9BF-4731-5BD882929B08}"/>
+          <p:cNvPr id="4" name="תמונה 3">
+            <a:extLst>
+              <a:ext uri="{FF2B5EF4-FFF2-40B4-BE49-F238E27FC236}">
+                <a16:creationId xmlns:a16="http://schemas.microsoft.com/office/drawing/2014/main" id="{FD568148-2EE8-2897-6E60-F834D4D1CFF3}"/>
               </a:ext>
             </a:extLst>
           </p:cNvPr>
@@ -3677,38 +4114,8 @@
         </p:blipFill>
         <p:spPr>
           <a:xfrm>
-            <a:off x="5073870" y="4799301"/>
-            <a:ext cx="6081366" cy="1893599"/>
-          </a:xfrm>
-          <a:prstGeom prst="rect">
-            <a:avLst/>
-          </a:prstGeom>
-        </p:spPr>
-      </p:pic>
-      <p:pic>
-        <p:nvPicPr>
-          <p:cNvPr id="7" name="תמונה 6">
-            <a:extLst>
-              <a:ext uri="{FF2B5EF4-FFF2-40B4-BE49-F238E27FC236}">
-                <a16:creationId xmlns:a16="http://schemas.microsoft.com/office/drawing/2014/main" id="{D0A2DB85-8D81-2A3C-2148-7A8C032D5223}"/>
-              </a:ext>
-            </a:extLst>
-          </p:cNvPr>
-          <p:cNvPicPr>
-            <a:picLocks noChangeAspect="1"/>
-          </p:cNvPicPr>
-          <p:nvPr/>
-        </p:nvPicPr>
-        <p:blipFill>
-          <a:blip r:embed="rId3"/>
-          <a:stretch>
-            <a:fillRect/>
-          </a:stretch>
-        </p:blipFill>
-        <p:spPr>
-          <a:xfrm>
-            <a:off x="5065807" y="165100"/>
-            <a:ext cx="6097493" cy="4438026"/>
+            <a:off x="4705627" y="257175"/>
+            <a:ext cx="6953250" cy="6343650"/>
           </a:xfrm>
           <a:prstGeom prst="rect">
             <a:avLst/>
@@ -3841,8 +4248,8 @@
         </p:blipFill>
         <p:spPr>
           <a:xfrm>
-            <a:off x="4851400" y="642938"/>
-            <a:ext cx="6630988" cy="1389063"/>
+            <a:off x="4483713" y="240145"/>
+            <a:ext cx="7363323" cy="1542473"/>
           </a:xfrm>
           <a:prstGeom prst="rect">
             <a:avLst/>
@@ -3871,8 +4278,8 @@
         </p:blipFill>
         <p:spPr>
           <a:xfrm>
-            <a:off x="4851400" y="2100263"/>
-            <a:ext cx="6630988" cy="4110038"/>
+            <a:off x="4483714" y="1967265"/>
+            <a:ext cx="7363324" cy="4563957"/>
           </a:xfrm>
           <a:prstGeom prst="rect">
             <a:avLst/>
@@ -4073,10 +4480,10 @@
       </p:sp>
       <p:pic>
         <p:nvPicPr>
-          <p:cNvPr id="5" name="תמונה 4">
-            <a:extLst>
-              <a:ext uri="{FF2B5EF4-FFF2-40B4-BE49-F238E27FC236}">
-                <a16:creationId xmlns:a16="http://schemas.microsoft.com/office/drawing/2014/main" id="{2CA3B9ED-A1CB-DE97-3A56-5D17EEFFBE34}"/>
+          <p:cNvPr id="4" name="תמונה 3">
+            <a:extLst>
+              <a:ext uri="{FF2B5EF4-FFF2-40B4-BE49-F238E27FC236}">
+                <a16:creationId xmlns:a16="http://schemas.microsoft.com/office/drawing/2014/main" id="{DB2E1CC3-8C03-0C4A-FE51-D8447EA064DE}"/>
               </a:ext>
             </a:extLst>
           </p:cNvPr>
@@ -4093,8 +4500,8 @@
         </p:blipFill>
         <p:spPr>
           <a:xfrm>
-            <a:off x="4777316" y="876597"/>
-            <a:ext cx="6780700" cy="5102476"/>
+            <a:off x="4686808" y="454602"/>
+            <a:ext cx="7156520" cy="5948795"/>
           </a:xfrm>
           <a:prstGeom prst="rect">
             <a:avLst/>
@@ -4431,10 +4838,10 @@
       </p:sp>
       <p:pic>
         <p:nvPicPr>
-          <p:cNvPr id="9" name="תמונה 8">
-            <a:extLst>
-              <a:ext uri="{FF2B5EF4-FFF2-40B4-BE49-F238E27FC236}">
-                <a16:creationId xmlns:a16="http://schemas.microsoft.com/office/drawing/2014/main" id="{095F566C-8FB1-1E87-7B31-7D58E0032D2F}"/>
+          <p:cNvPr id="4" name="תמונה 3">
+            <a:extLst>
+              <a:ext uri="{FF2B5EF4-FFF2-40B4-BE49-F238E27FC236}">
+                <a16:creationId xmlns:a16="http://schemas.microsoft.com/office/drawing/2014/main" id="{D725BCCA-A38F-5EB3-1093-23F8A7065D57}"/>
               </a:ext>
             </a:extLst>
           </p:cNvPr>
@@ -4444,15 +4851,15 @@
           <p:nvPr/>
         </p:nvPicPr>
         <p:blipFill>
-          <a:blip r:embed="rId2"/>
+          <a:blip r:embed="rId3"/>
           <a:stretch>
             <a:fillRect/>
           </a:stretch>
         </p:blipFill>
         <p:spPr>
           <a:xfrm>
-            <a:off x="4527804" y="738620"/>
-            <a:ext cx="7346219" cy="5144943"/>
+            <a:off x="4666349" y="122382"/>
+            <a:ext cx="7030914" cy="6613236"/>
           </a:xfrm>
           <a:prstGeom prst="rect">
             <a:avLst/>
@@ -6484,4 +6891,299 @@
     </a:ext>
   </a:extLst>
 </a:theme>
+</file>
+
+<file path=ppt/theme/theme2.xml><?xml version="1.0" encoding="utf-8"?>
+<a:theme xmlns:a="http://schemas.openxmlformats.org/drawingml/2006/main" name="ערכת נושא Office">
+  <a:themeElements>
+    <a:clrScheme name="Office">
+      <a:dk1>
+        <a:sysClr val="windowText" lastClr="000000"/>
+      </a:dk1>
+      <a:lt1>
+        <a:sysClr val="window" lastClr="FFFFFF"/>
+      </a:lt1>
+      <a:dk2>
+        <a:srgbClr val="44546A"/>
+      </a:dk2>
+      <a:lt2>
+        <a:srgbClr val="E7E6E6"/>
+      </a:lt2>
+      <a:accent1>
+        <a:srgbClr val="4472C4"/>
+      </a:accent1>
+      <a:accent2>
+        <a:srgbClr val="ED7D31"/>
+      </a:accent2>
+      <a:accent3>
+        <a:srgbClr val="A5A5A5"/>
+      </a:accent3>
+      <a:accent4>
+        <a:srgbClr val="FFC000"/>
+      </a:accent4>
+      <a:accent5>
+        <a:srgbClr val="5B9BD5"/>
+      </a:accent5>
+      <a:accent6>
+        <a:srgbClr val="70AD47"/>
+      </a:accent6>
+      <a:hlink>
+        <a:srgbClr val="0563C1"/>
+      </a:hlink>
+      <a:folHlink>
+        <a:srgbClr val="954F72"/>
+      </a:folHlink>
+    </a:clrScheme>
+    <a:fontScheme name="Office">
+      <a:majorFont>
+        <a:latin typeface="Calibri Light" panose="020F0302020204030204"/>
+        <a:ea typeface=""/>
+        <a:cs typeface=""/>
+        <a:font script="Jpan" typeface="游ゴシック Light"/>
+        <a:font script="Hang" typeface="맑은 고딕"/>
+        <a:font script="Hans" typeface="等线 Light"/>
+        <a:font script="Hant" typeface="新細明體"/>
+        <a:font script="Arab" typeface="Times New Roman"/>
+        <a:font script="Hebr" typeface="Times New Roman"/>
+        <a:font script="Thai" typeface="Angsana New"/>
+        <a:font script="Ethi" typeface="Nyala"/>
+        <a:font script="Beng" typeface="Vrinda"/>
+        <a:font script="Gujr" typeface="Shruti"/>
+        <a:font script="Khmr" typeface="MoolBoran"/>
+        <a:font script="Knda" typeface="Tunga"/>
+        <a:font script="Guru" typeface="Raavi"/>
+        <a:font script="Cans" typeface="Euphemia"/>
+        <a:font script="Cher" typeface="Plantagenet Cherokee"/>
+        <a:font script="Yiii" typeface="Microsoft Yi Baiti"/>
+        <a:font script="Tibt" typeface="Microsoft Himalaya"/>
+        <a:font script="Thaa" typeface="MV Boli"/>
+        <a:font script="Deva" typeface="Mangal"/>
+        <a:font script="Telu" typeface="Gautami"/>
+        <a:font script="Taml" typeface="Latha"/>
+        <a:font script="Syrc" typeface="Estrangelo Edessa"/>
+        <a:font script="Orya" typeface="Kalinga"/>
+        <a:font script="Mlym" typeface="Kartika"/>
+        <a:font script="Laoo" typeface="DokChampa"/>
+        <a:font script="Sinh" typeface="Iskoola Pota"/>
+        <a:font script="Mong" typeface="Mongolian Baiti"/>
+        <a:font script="Viet" typeface="Times New Roman"/>
+        <a:font script="Uigh" typeface="Microsoft Uighur"/>
+        <a:font script="Geor" typeface="Sylfaen"/>
+        <a:font script="Armn" typeface="Arial"/>
+        <a:font script="Bugi" typeface="Leelawadee UI"/>
+        <a:font script="Bopo" typeface="Microsoft JhengHei"/>
+        <a:font script="Java" typeface="Javanese Text"/>
+        <a:font script="Lisu" typeface="Segoe UI"/>
+        <a:font script="Mymr" typeface="Myanmar Text"/>
+        <a:font script="Nkoo" typeface="Ebrima"/>
+        <a:font script="Olck" typeface="Nirmala UI"/>
+        <a:font script="Osma" typeface="Ebrima"/>
+        <a:font script="Phag" typeface="Phagspa"/>
+        <a:font script="Syrn" typeface="Estrangelo Edessa"/>
+        <a:font script="Syrj" typeface="Estrangelo Edessa"/>
+        <a:font script="Syre" typeface="Estrangelo Edessa"/>
+        <a:font script="Sora" typeface="Nirmala UI"/>
+        <a:font script="Tale" typeface="Microsoft Tai Le"/>
+        <a:font script="Talu" typeface="Microsoft New Tai Lue"/>
+        <a:font script="Tfng" typeface="Ebrima"/>
+      </a:majorFont>
+      <a:minorFont>
+        <a:latin typeface="Calibri" panose="020F0502020204030204"/>
+        <a:ea typeface=""/>
+        <a:cs typeface=""/>
+        <a:font script="Jpan" typeface="游ゴシック"/>
+        <a:font script="Hang" typeface="맑은 고딕"/>
+        <a:font script="Hans" typeface="等线"/>
+        <a:font script="Hant" typeface="新細明體"/>
+        <a:font script="Arab" typeface="Arial"/>
+        <a:font script="Hebr" typeface="Arial"/>
+        <a:font script="Thai" typeface="Cordia New"/>
+        <a:font script="Ethi" typeface="Nyala"/>
+        <a:font script="Beng" typeface="Vrinda"/>
+        <a:font script="Gujr" typeface="Shruti"/>
+        <a:font script="Khmr" typeface="DaunPenh"/>
+        <a:font script="Knda" typeface="Tunga"/>
+        <a:font script="Guru" typeface="Raavi"/>
+        <a:font script="Cans" typeface="Euphemia"/>
+        <a:font script="Cher" typeface="Plantagenet Cherokee"/>
+        <a:font script="Yiii" typeface="Microsoft Yi Baiti"/>
+        <a:font script="Tibt" typeface="Microsoft Himalaya"/>
+        <a:font script="Thaa" typeface="MV Boli"/>
+        <a:font script="Deva" typeface="Mangal"/>
+        <a:font script="Telu" typeface="Gautami"/>
+        <a:font script="Taml" typeface="Latha"/>
+        <a:font script="Syrc" typeface="Estrangelo Edessa"/>
+        <a:font script="Orya" typeface="Kalinga"/>
+        <a:font script="Mlym" typeface="Kartika"/>
+        <a:font script="Laoo" typeface="DokChampa"/>
+        <a:font script="Sinh" typeface="Iskoola Pota"/>
+        <a:font script="Mong" typeface="Mongolian Baiti"/>
+        <a:font script="Viet" typeface="Arial"/>
+        <a:font script="Uigh" typeface="Microsoft Uighur"/>
+        <a:font script="Geor" typeface="Sylfaen"/>
+        <a:font script="Armn" typeface="Arial"/>
+        <a:font script="Bugi" typeface="Leelawadee UI"/>
+        <a:font script="Bopo" typeface="Microsoft JhengHei"/>
+        <a:font script="Java" typeface="Javanese Text"/>
+        <a:font script="Lisu" typeface="Segoe UI"/>
+        <a:font script="Mymr" typeface="Myanmar Text"/>
+        <a:font script="Nkoo" typeface="Ebrima"/>
+        <a:font script="Olck" typeface="Nirmala UI"/>
+        <a:font script="Osma" typeface="Ebrima"/>
+        <a:font script="Phag" typeface="Phagspa"/>
+        <a:font script="Syrn" typeface="Estrangelo Edessa"/>
+        <a:font script="Syrj" typeface="Estrangelo Edessa"/>
+        <a:font script="Syre" typeface="Estrangelo Edessa"/>
+        <a:font script="Sora" typeface="Nirmala UI"/>
+        <a:font script="Tale" typeface="Microsoft Tai Le"/>
+        <a:font script="Talu" typeface="Microsoft New Tai Lue"/>
+        <a:font script="Tfng" typeface="Ebrima"/>
+      </a:minorFont>
+    </a:fontScheme>
+    <a:fmtScheme name="Office">
+      <a:fillStyleLst>
+        <a:solidFill>
+          <a:schemeClr val="phClr"/>
+        </a:solidFill>
+        <a:gradFill rotWithShape="1">
+          <a:gsLst>
+            <a:gs pos="0">
+              <a:schemeClr val="phClr">
+                <a:lumMod val="110000"/>
+                <a:satMod val="105000"/>
+                <a:tint val="67000"/>
+              </a:schemeClr>
+            </a:gs>
+            <a:gs pos="50000">
+              <a:schemeClr val="phClr">
+                <a:lumMod val="105000"/>
+                <a:satMod val="103000"/>
+                <a:tint val="73000"/>
+              </a:schemeClr>
+            </a:gs>
+            <a:gs pos="100000">
+              <a:schemeClr val="phClr">
+                <a:lumMod val="105000"/>
+                <a:satMod val="109000"/>
+                <a:tint val="81000"/>
+              </a:schemeClr>
+            </a:gs>
+          </a:gsLst>
+          <a:lin ang="5400000" scaled="0"/>
+        </a:gradFill>
+        <a:gradFill rotWithShape="1">
+          <a:gsLst>
+            <a:gs pos="0">
+              <a:schemeClr val="phClr">
+                <a:satMod val="103000"/>
+                <a:lumMod val="102000"/>
+                <a:tint val="94000"/>
+              </a:schemeClr>
+            </a:gs>
+            <a:gs pos="50000">
+              <a:schemeClr val="phClr">
+                <a:satMod val="110000"/>
+                <a:lumMod val="100000"/>
+                <a:shade val="100000"/>
+              </a:schemeClr>
+            </a:gs>
+            <a:gs pos="100000">
+              <a:schemeClr val="phClr">
+                <a:lumMod val="99000"/>
+                <a:satMod val="120000"/>
+                <a:shade val="78000"/>
+              </a:schemeClr>
+            </a:gs>
+          </a:gsLst>
+          <a:lin ang="5400000" scaled="0"/>
+        </a:gradFill>
+      </a:fillStyleLst>
+      <a:lnStyleLst>
+        <a:ln w="6350" cap="flat" cmpd="sng" algn="ctr">
+          <a:solidFill>
+            <a:schemeClr val="phClr"/>
+          </a:solidFill>
+          <a:prstDash val="solid"/>
+          <a:miter lim="800000"/>
+        </a:ln>
+        <a:ln w="12700" cap="flat" cmpd="sng" algn="ctr">
+          <a:solidFill>
+            <a:schemeClr val="phClr"/>
+          </a:solidFill>
+          <a:prstDash val="solid"/>
+          <a:miter lim="800000"/>
+        </a:ln>
+        <a:ln w="19050" cap="flat" cmpd="sng" algn="ctr">
+          <a:solidFill>
+            <a:schemeClr val="phClr"/>
+          </a:solidFill>
+          <a:prstDash val="solid"/>
+          <a:miter lim="800000"/>
+        </a:ln>
+      </a:lnStyleLst>
+      <a:effectStyleLst>
+        <a:effectStyle>
+          <a:effectLst/>
+        </a:effectStyle>
+        <a:effectStyle>
+          <a:effectLst/>
+        </a:effectStyle>
+        <a:effectStyle>
+          <a:effectLst>
+            <a:outerShdw blurRad="57150" dist="19050" dir="5400000" algn="ctr" rotWithShape="0">
+              <a:srgbClr val="000000">
+                <a:alpha val="63000"/>
+              </a:srgbClr>
+            </a:outerShdw>
+          </a:effectLst>
+        </a:effectStyle>
+      </a:effectStyleLst>
+      <a:bgFillStyleLst>
+        <a:solidFill>
+          <a:schemeClr val="phClr"/>
+        </a:solidFill>
+        <a:solidFill>
+          <a:schemeClr val="phClr">
+            <a:tint val="95000"/>
+            <a:satMod val="170000"/>
+          </a:schemeClr>
+        </a:solidFill>
+        <a:gradFill rotWithShape="1">
+          <a:gsLst>
+            <a:gs pos="0">
+              <a:schemeClr val="phClr">
+                <a:tint val="93000"/>
+                <a:satMod val="150000"/>
+                <a:shade val="98000"/>
+                <a:lumMod val="102000"/>
+              </a:schemeClr>
+            </a:gs>
+            <a:gs pos="50000">
+              <a:schemeClr val="phClr">
+                <a:tint val="98000"/>
+                <a:satMod val="130000"/>
+                <a:shade val="90000"/>
+                <a:lumMod val="103000"/>
+              </a:schemeClr>
+            </a:gs>
+            <a:gs pos="100000">
+              <a:schemeClr val="phClr">
+                <a:shade val="63000"/>
+                <a:satMod val="120000"/>
+              </a:schemeClr>
+            </a:gs>
+          </a:gsLst>
+          <a:lin ang="5400000" scaled="0"/>
+        </a:gradFill>
+      </a:bgFillStyleLst>
+    </a:fmtScheme>
+  </a:themeElements>
+  <a:objectDefaults/>
+  <a:extraClrSchemeLst/>
+  <a:extLst>
+    <a:ext uri="{05A4C25C-085E-4340-85A3-A5531E510DB2}">
+      <thm15:themeFamily xmlns:thm15="http://schemas.microsoft.com/office/thememl/2012/main" name="Office Theme" id="{62F939B6-93AF-4DB8-9C6B-D6C7DFDC589F}" vid="{4A3C46E8-61CC-4603-A589-7422A47A8E4A}"/>
+    </a:ext>
+  </a:extLst>
+</a:theme>
 </file>